--- a/default.pptx
+++ b/default.pptx
@@ -262,7 +262,7 @@
           <a:p>
             <a:fld id="{66FA9DBD-BD45-4A3D-9094-0435E4DC77BE}" type="datetimeFigureOut">
               <a:rPr lang="en-US" smtClean="0"/>
-              <a:t>6/9/2020</a:t>
+              <a:t>6/19/2020</a:t>
             </a:fld>
             <a:endParaRPr lang="en-US"/>
           </a:p>
@@ -460,7 +460,7 @@
           <a:p>
             <a:fld id="{66FA9DBD-BD45-4A3D-9094-0435E4DC77BE}" type="datetimeFigureOut">
               <a:rPr lang="en-US" smtClean="0"/>
-              <a:t>6/9/2020</a:t>
+              <a:t>6/19/2020</a:t>
             </a:fld>
             <a:endParaRPr lang="en-US"/>
           </a:p>
@@ -668,7 +668,7 @@
           <a:p>
             <a:fld id="{66FA9DBD-BD45-4A3D-9094-0435E4DC77BE}" type="datetimeFigureOut">
               <a:rPr lang="en-US" smtClean="0"/>
-              <a:t>6/9/2020</a:t>
+              <a:t>6/19/2020</a:t>
             </a:fld>
             <a:endParaRPr lang="en-US"/>
           </a:p>
@@ -866,7 +866,7 @@
           <a:p>
             <a:fld id="{66FA9DBD-BD45-4A3D-9094-0435E4DC77BE}" type="datetimeFigureOut">
               <a:rPr lang="en-US" smtClean="0"/>
-              <a:t>6/9/2020</a:t>
+              <a:t>6/19/2020</a:t>
             </a:fld>
             <a:endParaRPr lang="en-US"/>
           </a:p>
@@ -1141,7 +1141,7 @@
           <a:p>
             <a:fld id="{66FA9DBD-BD45-4A3D-9094-0435E4DC77BE}" type="datetimeFigureOut">
               <a:rPr lang="en-US" smtClean="0"/>
-              <a:t>6/9/2020</a:t>
+              <a:t>6/19/2020</a:t>
             </a:fld>
             <a:endParaRPr lang="en-US"/>
           </a:p>
@@ -1406,7 +1406,7 @@
           <a:p>
             <a:fld id="{66FA9DBD-BD45-4A3D-9094-0435E4DC77BE}" type="datetimeFigureOut">
               <a:rPr lang="en-US" smtClean="0"/>
-              <a:t>6/9/2020</a:t>
+              <a:t>6/19/2020</a:t>
             </a:fld>
             <a:endParaRPr lang="en-US"/>
           </a:p>
@@ -1818,7 +1818,7 @@
           <a:p>
             <a:fld id="{66FA9DBD-BD45-4A3D-9094-0435E4DC77BE}" type="datetimeFigureOut">
               <a:rPr lang="en-US" smtClean="0"/>
-              <a:t>6/9/2020</a:t>
+              <a:t>6/19/2020</a:t>
             </a:fld>
             <a:endParaRPr lang="en-US"/>
           </a:p>
@@ -1959,7 +1959,7 @@
           <a:p>
             <a:fld id="{66FA9DBD-BD45-4A3D-9094-0435E4DC77BE}" type="datetimeFigureOut">
               <a:rPr lang="en-US" smtClean="0"/>
-              <a:t>6/9/2020</a:t>
+              <a:t>6/19/2020</a:t>
             </a:fld>
             <a:endParaRPr lang="en-US"/>
           </a:p>
@@ -2072,7 +2072,7 @@
           <a:p>
             <a:fld id="{66FA9DBD-BD45-4A3D-9094-0435E4DC77BE}" type="datetimeFigureOut">
               <a:rPr lang="en-US" smtClean="0"/>
-              <a:t>6/9/2020</a:t>
+              <a:t>6/19/2020</a:t>
             </a:fld>
             <a:endParaRPr lang="en-US"/>
           </a:p>
@@ -2383,7 +2383,7 @@
           <a:p>
             <a:fld id="{66FA9DBD-BD45-4A3D-9094-0435E4DC77BE}" type="datetimeFigureOut">
               <a:rPr lang="en-US" smtClean="0"/>
-              <a:t>6/9/2020</a:t>
+              <a:t>6/19/2020</a:t>
             </a:fld>
             <a:endParaRPr lang="en-US"/>
           </a:p>
@@ -2671,7 +2671,7 @@
           <a:p>
             <a:fld id="{66FA9DBD-BD45-4A3D-9094-0435E4DC77BE}" type="datetimeFigureOut">
               <a:rPr lang="en-US" smtClean="0"/>
-              <a:t>6/9/2020</a:t>
+              <a:t>6/19/2020</a:t>
             </a:fld>
             <a:endParaRPr lang="en-US"/>
           </a:p>
@@ -2912,7 +2912,7 @@
           <a:p>
             <a:fld id="{66FA9DBD-BD45-4A3D-9094-0435E4DC77BE}" type="datetimeFigureOut">
               <a:rPr lang="en-US" smtClean="0"/>
-              <a:t>6/9/2020</a:t>
+              <a:t>6/19/2020</a:t>
             </a:fld>
             <a:endParaRPr lang="en-US"/>
           </a:p>
@@ -3329,308 +3329,6 @@
           <a:chExt cx="0" cy="0"/>
         </a:xfrm>
       </p:grpSpPr>
-      <p:sp>
-        <p:nvSpPr>
-          <p:cNvPr id="2" name="Title 1">
-            <a:extLst>
-              <a:ext uri="{FF2B5EF4-FFF2-40B4-BE49-F238E27FC236}">
-                <a16:creationId xmlns:a16="http://schemas.microsoft.com/office/drawing/2014/main" id="{FC59ACBF-4F99-4C2E-9F74-0AE3E99860AE}"/>
-              </a:ext>
-            </a:extLst>
-          </p:cNvPr>
-          <p:cNvSpPr>
-            <a:spLocks noGrp="1"/>
-          </p:cNvSpPr>
-          <p:nvPr>
-            <p:ph type="title"/>
-          </p:nvPr>
-        </p:nvSpPr>
-        <p:spPr>
-          <a:xfrm>
-            <a:off x="838200" y="327025"/>
-            <a:ext cx="10515600" cy="1325563"/>
-          </a:xfrm>
-        </p:spPr>
-        <p:txBody>
-          <a:bodyPr/>
-          <a:lstStyle/>
-          <a:p>
-            <a:pPr algn="ctr"/>
-            <a:r>
-              <a:rPr lang="en-US" b="1" dirty="0">
-                <a:latin typeface="D-DIN" panose="020B0504030202030204" pitchFamily="34" charset="0"/>
-              </a:rPr>
-              <a:t>Welcome to Timeout!</a:t>
-            </a:r>
-          </a:p>
-        </p:txBody>
-      </p:sp>
-      <p:pic>
-        <p:nvPicPr>
-          <p:cNvPr id="5" name="Content Placeholder 4">
-            <a:extLst>
-              <a:ext uri="{FF2B5EF4-FFF2-40B4-BE49-F238E27FC236}">
-                <a16:creationId xmlns:a16="http://schemas.microsoft.com/office/drawing/2014/main" id="{E11F6DCB-EAE8-47C3-BE0E-040CFD586D29}"/>
-              </a:ext>
-            </a:extLst>
-          </p:cNvPr>
-          <p:cNvPicPr>
-            <a:picLocks noGrp="1" noChangeAspect="1"/>
-          </p:cNvPicPr>
-          <p:nvPr>
-            <p:ph idx="1"/>
-          </p:nvPr>
-        </p:nvPicPr>
-        <p:blipFill>
-          <a:blip r:embed="rId2">
-            <a:extLst>
-              <a:ext uri="{28A0092B-C50C-407E-A947-70E740481C1C}">
-                <a14:useLocalDpi xmlns:a14="http://schemas.microsoft.com/office/drawing/2010/main" val="0"/>
-              </a:ext>
-              <a:ext uri="{96DAC541-7B7A-43D3-8B79-37D633B846F1}">
-                <asvg:svgBlip xmlns:asvg="http://schemas.microsoft.com/office/drawing/2016/SVG/main" r:embed="rId3"/>
-              </a:ext>
-            </a:extLst>
-          </a:blip>
-          <a:stretch>
-            <a:fillRect/>
-          </a:stretch>
-        </p:blipFill>
-        <p:spPr>
-          <a:xfrm>
-            <a:off x="386648" y="272256"/>
-            <a:ext cx="903103" cy="958850"/>
-          </a:xfrm>
-        </p:spPr>
-      </p:pic>
-      <p:sp>
-        <p:nvSpPr>
-          <p:cNvPr id="6" name="TextBox 5">
-            <a:extLst>
-              <a:ext uri="{FF2B5EF4-FFF2-40B4-BE49-F238E27FC236}">
-                <a16:creationId xmlns:a16="http://schemas.microsoft.com/office/drawing/2014/main" id="{0ECEBC20-FCC9-409E-85CC-832B85FB7D63}"/>
-              </a:ext>
-            </a:extLst>
-          </p:cNvPr>
-          <p:cNvSpPr txBox="1"/>
-          <p:nvPr/>
-        </p:nvSpPr>
-        <p:spPr>
-          <a:xfrm>
-            <a:off x="733424" y="2002631"/>
-            <a:ext cx="10515600" cy="3877985"/>
-          </a:xfrm>
-          <a:prstGeom prst="rect">
-            <a:avLst/>
-          </a:prstGeom>
-          <a:noFill/>
-        </p:spPr>
-        <p:txBody>
-          <a:bodyPr wrap="square" rtlCol="0">
-            <a:spAutoFit/>
-          </a:bodyPr>
-          <a:lstStyle/>
-          <a:p>
-            <a:pPr marL="342900" indent="-342900">
-              <a:spcBef>
-                <a:spcPts val="600"/>
-              </a:spcBef>
-              <a:buFont typeface="Arial" panose="020B0604020202020204" pitchFamily="34" charset="0"/>
-              <a:buChar char="•"/>
-            </a:pPr>
-            <a:r>
-              <a:rPr lang="en-US" sz="2400" dirty="0">
-                <a:latin typeface="D-DIN" panose="020B0504030202030204" pitchFamily="34" charset="0"/>
-              </a:rPr>
-              <a:t>If possible, please use Chrome or Firefox as your browser</a:t>
-            </a:r>
-          </a:p>
-          <a:p>
-            <a:pPr marL="342900" indent="-342900">
-              <a:spcBef>
-                <a:spcPts val="600"/>
-              </a:spcBef>
-              <a:buFont typeface="Arial" panose="020B0604020202020204" pitchFamily="34" charset="0"/>
-              <a:buChar char="•"/>
-            </a:pPr>
-            <a:r>
-              <a:rPr lang="en-US" sz="2400" dirty="0">
-                <a:latin typeface="D-DIN" panose="020B0504030202030204" pitchFamily="34" charset="0"/>
-              </a:rPr>
-              <a:t>You may use webcams as you wish, but please try to set them to “medium quality” or lower.</a:t>
-            </a:r>
-          </a:p>
-          <a:p>
-            <a:pPr marL="342900" indent="-342900">
-              <a:spcBef>
-                <a:spcPts val="600"/>
-              </a:spcBef>
-              <a:buFont typeface="Arial" panose="020B0604020202020204" pitchFamily="34" charset="0"/>
-              <a:buChar char="•"/>
-            </a:pPr>
-            <a:r>
-              <a:rPr lang="en-US" sz="2400" dirty="0">
-                <a:latin typeface="D-DIN" panose="020B0504030202030204" pitchFamily="34" charset="0"/>
-              </a:rPr>
-              <a:t>The session may be recorded by the host, and this will be indicated by a timer</a:t>
-            </a:r>
-          </a:p>
-          <a:p>
-            <a:pPr marL="342900" indent="-342900">
-              <a:spcBef>
-                <a:spcPts val="600"/>
-              </a:spcBef>
-              <a:buFont typeface="Arial" panose="020B0604020202020204" pitchFamily="34" charset="0"/>
-              <a:buChar char="•"/>
-            </a:pPr>
-            <a:r>
-              <a:rPr lang="en-US" sz="2400" dirty="0">
-                <a:latin typeface="D-DIN" panose="020B0504030202030204" pitchFamily="34" charset="0"/>
-              </a:rPr>
-              <a:t>You can upload your own presentation, which you may annotate live</a:t>
-            </a:r>
-          </a:p>
-          <a:p>
-            <a:pPr marL="342900" indent="-342900">
-              <a:spcBef>
-                <a:spcPts val="600"/>
-              </a:spcBef>
-              <a:buFont typeface="Arial" panose="020B0604020202020204" pitchFamily="34" charset="0"/>
-              <a:buChar char="•"/>
-            </a:pPr>
-            <a:r>
-              <a:rPr lang="en-US" sz="2400" dirty="0">
-                <a:latin typeface="D-DIN" panose="020B0504030202030204" pitchFamily="34" charset="0"/>
-              </a:rPr>
-              <a:t>Please report all errors and queries to </a:t>
-            </a:r>
-            <a:r>
-              <a:rPr lang="en-US" sz="2400" dirty="0">
-                <a:solidFill>
-                  <a:srgbClr val="E7747F"/>
-                </a:solidFill>
-                <a:latin typeface="Consolas" panose="020B0609020204030204" pitchFamily="49" charset="0"/>
-                <a:hlinkClick r:id="rId4"/>
-              </a:rPr>
-              <a:t>support@srcf.net</a:t>
-            </a:r>
-            <a:endParaRPr lang="en-US" sz="2400" dirty="0">
-              <a:solidFill>
-                <a:srgbClr val="E7747F"/>
-              </a:solidFill>
-              <a:latin typeface="Consolas" panose="020B0609020204030204" pitchFamily="49" charset="0"/>
-            </a:endParaRPr>
-          </a:p>
-          <a:p>
-            <a:pPr marL="342900" indent="-342900">
-              <a:spcBef>
-                <a:spcPts val="600"/>
-              </a:spcBef>
-              <a:buFont typeface="Arial" panose="020B0604020202020204" pitchFamily="34" charset="0"/>
-              <a:buChar char="•"/>
-            </a:pPr>
-            <a:r>
-              <a:rPr lang="en-US" sz="2400" dirty="0">
-                <a:latin typeface="D-DIN" panose="020B0504030202030204" pitchFamily="34" charset="0"/>
-              </a:rPr>
-              <a:t>Current documentation including tips, examples and other useful information is available at </a:t>
-            </a:r>
-            <a:r>
-              <a:rPr lang="en-US" sz="2400" dirty="0">
-                <a:latin typeface="Consolas" panose="020B0609020204030204" pitchFamily="49" charset="0"/>
-                <a:hlinkClick r:id="rId5"/>
-              </a:rPr>
-              <a:t>https://docs.srcf.net/timeout</a:t>
-            </a:r>
-            <a:r>
-              <a:rPr lang="en-US" sz="2400" dirty="0">
-                <a:latin typeface="Consolas" panose="020B0609020204030204" pitchFamily="49" charset="0"/>
-              </a:rPr>
-              <a:t> </a:t>
-            </a:r>
-          </a:p>
-          <a:p>
-            <a:pPr marL="342900" indent="-342900">
-              <a:spcBef>
-                <a:spcPts val="600"/>
-              </a:spcBef>
-              <a:buFont typeface="Arial" panose="020B0604020202020204" pitchFamily="34" charset="0"/>
-              <a:buChar char="•"/>
-            </a:pPr>
-            <a:r>
-              <a:rPr lang="en-US" sz="2400" dirty="0">
-                <a:latin typeface="D-DIN" panose="020B0504030202030204" pitchFamily="34" charset="0"/>
-              </a:rPr>
-              <a:t>If you find Timeout useful, consider donating to us at </a:t>
-            </a:r>
-            <a:r>
-              <a:rPr lang="en-US" sz="2000" dirty="0">
-                <a:latin typeface="Consolas" panose="020B0609020204030204" pitchFamily="49" charset="0"/>
-                <a:hlinkClick r:id="rId6"/>
-              </a:rPr>
-              <a:t>https://srcf.net/donate</a:t>
-            </a:r>
-            <a:r>
-              <a:rPr lang="en-US" sz="2000" dirty="0">
-                <a:latin typeface="Consolas" panose="020B0609020204030204" pitchFamily="49" charset="0"/>
-              </a:rPr>
-              <a:t> </a:t>
-            </a:r>
-            <a:endParaRPr lang="en-US" sz="2400" dirty="0">
-              <a:latin typeface="Consolas" panose="020B0609020204030204" pitchFamily="49" charset="0"/>
-            </a:endParaRPr>
-          </a:p>
-        </p:txBody>
-      </p:sp>
-      <p:sp>
-        <p:nvSpPr>
-          <p:cNvPr id="11" name="TextBox 10">
-            <a:extLst>
-              <a:ext uri="{FF2B5EF4-FFF2-40B4-BE49-F238E27FC236}">
-                <a16:creationId xmlns:a16="http://schemas.microsoft.com/office/drawing/2014/main" id="{3F956998-C739-4FB9-AC32-84F09AAAF649}"/>
-              </a:ext>
-            </a:extLst>
-          </p:cNvPr>
-          <p:cNvSpPr txBox="1"/>
-          <p:nvPr/>
-        </p:nvSpPr>
-        <p:spPr>
-          <a:xfrm>
-            <a:off x="6530579" y="6244987"/>
-            <a:ext cx="5503430" cy="369332"/>
-          </a:xfrm>
-          <a:prstGeom prst="rect">
-            <a:avLst/>
-          </a:prstGeom>
-          <a:noFill/>
-        </p:spPr>
-        <p:txBody>
-          <a:bodyPr wrap="none" rtlCol="0">
-            <a:spAutoFit/>
-          </a:bodyPr>
-          <a:lstStyle/>
-          <a:p>
-            <a:r>
-              <a:rPr lang="en-US" i="1" dirty="0">
-                <a:latin typeface="D-DIN" panose="020B0504030202030204" pitchFamily="34" charset="0"/>
-              </a:rPr>
-              <a:t>Powered by </a:t>
-            </a:r>
-            <a:r>
-              <a:rPr lang="en-US" i="1" dirty="0" err="1">
-                <a:latin typeface="D-DIN" panose="020B0504030202030204" pitchFamily="34" charset="0"/>
-              </a:rPr>
-              <a:t>BigBlueButton</a:t>
-            </a:r>
-            <a:r>
-              <a:rPr lang="en-US" i="1" dirty="0">
-                <a:latin typeface="D-DIN" panose="020B0504030202030204" pitchFamily="34" charset="0"/>
-              </a:rPr>
-              <a:t>, brought to life by the SRCF</a:t>
-            </a:r>
-          </a:p>
-        </p:txBody>
-      </p:sp>
       <p:cxnSp>
         <p:nvCxnSpPr>
           <p:cNvPr id="4" name="Straight Arrow Connector 3">
@@ -3732,7 +3430,7 @@
               <a:t>Click here to </a:t>
             </a:r>
             <a:r>
-              <a:rPr lang="en-US">
+              <a:rPr lang="en-US" dirty="0" err="1">
                 <a:solidFill>
                   <a:schemeClr val="tx1"/>
                 </a:solidFill>
@@ -3748,6 +3446,82 @@
                 <a:latin typeface="D-DIN" panose="020B0504030202030204" pitchFamily="34" charset="0"/>
               </a:rPr>
               <a:t> the slideshow or click and drag to rearrange items</a:t>
+            </a:r>
+          </a:p>
+        </p:txBody>
+      </p:sp>
+      <p:pic>
+        <p:nvPicPr>
+          <p:cNvPr id="7" name="Graphic 6">
+            <a:extLst>
+              <a:ext uri="{FF2B5EF4-FFF2-40B4-BE49-F238E27FC236}">
+                <a16:creationId xmlns:a16="http://schemas.microsoft.com/office/drawing/2014/main" id="{338F3518-78F2-41DE-9844-6C5BAE1F393B}"/>
+              </a:ext>
+            </a:extLst>
+          </p:cNvPr>
+          <p:cNvPicPr>
+            <a:picLocks noChangeAspect="1"/>
+          </p:cNvPicPr>
+          <p:nvPr/>
+        </p:nvPicPr>
+        <p:blipFill>
+          <a:blip r:embed="rId2">
+            <a:extLst>
+              <a:ext uri="{28A0092B-C50C-407E-A947-70E740481C1C}">
+                <a14:useLocalDpi xmlns:a14="http://schemas.microsoft.com/office/drawing/2010/main" val="0"/>
+              </a:ext>
+              <a:ext uri="{96DAC541-7B7A-43D3-8B79-37D633B846F1}">
+                <asvg:svgBlip xmlns:asvg="http://schemas.microsoft.com/office/drawing/2016/SVG/main" r:embed="rId3"/>
+              </a:ext>
+            </a:extLst>
+          </a:blip>
+          <a:stretch>
+            <a:fillRect/>
+          </a:stretch>
+        </p:blipFill>
+        <p:spPr>
+          <a:xfrm>
+            <a:off x="438150" y="367109"/>
+            <a:ext cx="2966481" cy="685800"/>
+          </a:xfrm>
+          <a:prstGeom prst="rect">
+            <a:avLst/>
+          </a:prstGeom>
+        </p:spPr>
+      </p:pic>
+      <p:sp>
+        <p:nvSpPr>
+          <p:cNvPr id="14" name="TextBox 13">
+            <a:extLst>
+              <a:ext uri="{FF2B5EF4-FFF2-40B4-BE49-F238E27FC236}">
+                <a16:creationId xmlns:a16="http://schemas.microsoft.com/office/drawing/2014/main" id="{A27769D8-E38F-4060-A7D3-424FD4178DFC}"/>
+              </a:ext>
+            </a:extLst>
+          </p:cNvPr>
+          <p:cNvSpPr txBox="1"/>
+          <p:nvPr/>
+        </p:nvSpPr>
+        <p:spPr>
+          <a:xfrm>
+            <a:off x="4101704" y="6324600"/>
+            <a:ext cx="3988592" cy="369332"/>
+          </a:xfrm>
+          <a:prstGeom prst="rect">
+            <a:avLst/>
+          </a:prstGeom>
+          <a:noFill/>
+        </p:spPr>
+        <p:txBody>
+          <a:bodyPr wrap="none" rtlCol="0">
+            <a:spAutoFit/>
+          </a:bodyPr>
+          <a:lstStyle/>
+          <a:p>
+            <a:r>
+              <a:rPr lang="en-US" b="1" dirty="0">
+                <a:latin typeface="D-DIN" panose="020B0504030202030204" pitchFamily="34" charset="0"/>
+              </a:rPr>
+              <a:t>Slide left blank for use as a whiteboard</a:t>
             </a:r>
           </a:p>
         </p:txBody>
